--- a/210217_React_2.pptx
+++ b/210217_React_2.pptx
@@ -39,25 +39,29 @@
   <p:notesSz cx="6858000" cy="9144000"/>
   <p:embeddedFontLst>
     <p:embeddedFont>
+      <p:font typeface="Abadi" panose="020B0604020104020204" pitchFamily="34" charset="0"/>
+      <p:regular r:id="rId27"/>
+    </p:embeddedFont>
+    <p:embeddedFont>
       <p:font typeface="Consolas" panose="020B0609020204030204" pitchFamily="49" charset="0"/>
-      <p:regular r:id="rId27"/>
-      <p:bold r:id="rId28"/>
-      <p:italic r:id="rId29"/>
-      <p:boldItalic r:id="rId30"/>
+      <p:regular r:id="rId28"/>
+      <p:bold r:id="rId29"/>
+      <p:italic r:id="rId30"/>
+      <p:boldItalic r:id="rId31"/>
     </p:embeddedFont>
     <p:embeddedFont>
       <p:font typeface="맑은 고딕" panose="020B0503020000020004" pitchFamily="50" charset="-127"/>
-      <p:regular r:id="rId31"/>
-      <p:bold r:id="rId32"/>
+      <p:regular r:id="rId32"/>
+      <p:bold r:id="rId33"/>
     </p:embeddedFont>
     <p:embeddedFont>
       <p:font typeface="배달의민족 주아" panose="02020603020101020101" pitchFamily="18" charset="-127"/>
-      <p:regular r:id="rId33"/>
+      <p:regular r:id="rId34"/>
     </p:embeddedFont>
     <p:embeddedFont>
       <p:font typeface="빙그레 메로나체" panose="020B0503000000000000" pitchFamily="50" charset="-127"/>
-      <p:regular r:id="rId34"/>
-      <p:bold r:id="rId35"/>
+      <p:regular r:id="rId35"/>
+      <p:bold r:id="rId36"/>
     </p:embeddedFont>
   </p:embeddedFontLst>
   <p:defaultTextStyle>
@@ -3136,6 +3140,52 @@
           <a:lstStyle/>
           <a:p>
             <a:pPr marL="0" algn="l" defTabSz="914400" rtl="0" eaLnBrk="1" latinLnBrk="1" hangingPunct="1"/>
+            <a:r>
+              <a:rPr lang="en-US" altLang="ko-KR" sz="2800" b="0" i="0">
+                <a:solidFill>
+                  <a:srgbClr val="222426"/>
+                </a:solidFill>
+                <a:effectLst/>
+                <a:latin typeface="Abadi" panose="020B0604020104020204" pitchFamily="34" charset="0"/>
+              </a:rPr>
+              <a:t>useEffect</a:t>
+            </a:r>
+            <a:r>
+              <a:rPr lang="ko-KR" altLang="en-US" sz="2800" b="0" i="0">
+                <a:solidFill>
+                  <a:srgbClr val="222426"/>
+                </a:solidFill>
+                <a:effectLst/>
+                <a:latin typeface="Abadi" panose="020B0604020104020204" pitchFamily="34" charset="0"/>
+              </a:rPr>
+              <a:t>이용시 렌더링이 될때 깜빡이는 현상이 발생 할 수 있다</a:t>
+            </a:r>
+            <a:r>
+              <a:rPr lang="en-US" altLang="ko-KR" sz="2800" b="0" i="0">
+                <a:solidFill>
+                  <a:srgbClr val="222426"/>
+                </a:solidFill>
+                <a:effectLst/>
+                <a:latin typeface="Abadi" panose="020B0604020104020204" pitchFamily="34" charset="0"/>
+              </a:rPr>
+              <a:t>.</a:t>
+            </a:r>
+            <a:br>
+              <a:rPr lang="ko-KR" altLang="en-US" sz="2800"/>
+            </a:br>
+            <a:br>
+              <a:rPr lang="ko-KR" altLang="en-US" sz="2800"/>
+            </a:br>
+            <a:r>
+              <a:rPr lang="ko-KR" altLang="en-US" sz="2800" b="0" i="0">
+                <a:solidFill>
+                  <a:srgbClr val="222426"/>
+                </a:solidFill>
+                <a:effectLst/>
+                <a:latin typeface="Abadi" panose="020B0604020104020204" pitchFamily="34" charset="0"/>
+              </a:rPr>
+              <a:t>시각적으로 이를 방지하고 싶을때 사용</a:t>
+            </a:r>
             <a:endParaRPr lang="en-US" altLang="ko-KR" sz="1800" kern="1200">
               <a:ln>
                 <a:solidFill>
@@ -27843,8 +27893,9 @@
           </a:bodyPr>
           <a:lstStyle/>
           <a:p>
-            <a:r>
-              <a:rPr lang="en-US" altLang="ko-KR">
+            <a:pPr marL="0" algn="l" defTabSz="914400" rtl="0" eaLnBrk="1" latinLnBrk="1" hangingPunct="1"/>
+            <a:r>
+              <a:rPr lang="ko-KR" altLang="en-US" sz="1800" kern="1200">
                 <a:ln>
                   <a:solidFill>
                     <a:schemeClr val="tx1">
@@ -27852,10 +27903,32 @@
                     </a:schemeClr>
                   </a:solidFill>
                 </a:ln>
-                <a:latin typeface="빙그레 메로나체" panose="020B0503000000000000" pitchFamily="50" charset="-127"/>
-                <a:ea typeface="빙그레 메로나체" panose="020B0503000000000000" pitchFamily="50" charset="-127"/>
-              </a:rPr>
-              <a:t>aa</a:t>
+                <a:solidFill>
+                  <a:schemeClr val="tx1"/>
+                </a:solidFill>
+                <a:latin typeface="빙그레 메로나체" panose="020B0503000000000000" pitchFamily="50" charset="-127"/>
+                <a:ea typeface="빙그레 메로나체" panose="020B0503000000000000" pitchFamily="50" charset="-127"/>
+                <a:cs typeface="+mn-cs"/>
+              </a:rPr>
+              <a:t>컴포넌트가 렌더링 될 때마다 특정 작업을 실행할 수 있도록 하는 </a:t>
+            </a:r>
+            <a:r>
+              <a:rPr lang="en-US" altLang="ko-KR" sz="1800" kern="1200">
+                <a:ln>
+                  <a:solidFill>
+                    <a:schemeClr val="tx1">
+                      <a:alpha val="30000"/>
+                    </a:schemeClr>
+                  </a:solidFill>
+                </a:ln>
+                <a:solidFill>
+                  <a:schemeClr val="tx1"/>
+                </a:solidFill>
+                <a:latin typeface="빙그레 메로나체" panose="020B0503000000000000" pitchFamily="50" charset="-127"/>
+                <a:ea typeface="빙그레 메로나체" panose="020B0503000000000000" pitchFamily="50" charset="-127"/>
+                <a:cs typeface="+mn-cs"/>
+              </a:rPr>
+              <a:t>Hook</a:t>
             </a:r>
           </a:p>
         </p:txBody>
@@ -27875,7 +27948,7 @@
         <p:spPr>
           <a:xfrm>
             <a:off x="2182794" y="2907714"/>
-            <a:ext cx="7064412" cy="369332"/>
+            <a:ext cx="7064412" cy="1200329"/>
           </a:xfrm>
           <a:prstGeom prst="rect">
             <a:avLst/>
@@ -27903,7 +27976,274 @@
                 <a:latin typeface="빙그레 메로나체" panose="020B0503000000000000" pitchFamily="50" charset="-127"/>
                 <a:ea typeface="빙그레 메로나체" panose="020B0503000000000000" pitchFamily="50" charset="-127"/>
               </a:rPr>
-              <a:t>aa</a:t>
+              <a:t>useEffect - </a:t>
+            </a:r>
+            <a:r>
+              <a:rPr lang="ko-KR" altLang="en-US">
+                <a:ln>
+                  <a:solidFill>
+                    <a:schemeClr val="tx1">
+                      <a:alpha val="30000"/>
+                    </a:schemeClr>
+                  </a:solidFill>
+                </a:ln>
+                <a:latin typeface="빙그레 메로나체" panose="020B0503000000000000" pitchFamily="50" charset="-127"/>
+                <a:ea typeface="빙그레 메로나체" panose="020B0503000000000000" pitchFamily="50" charset="-127"/>
+              </a:rPr>
+              <a:t>화면이 그려진 이후 비동기적으로 실행됨</a:t>
+            </a:r>
+            <a:r>
+              <a:rPr lang="en-US" altLang="ko-KR">
+                <a:ln>
+                  <a:solidFill>
+                    <a:schemeClr val="tx1">
+                      <a:alpha val="30000"/>
+                    </a:schemeClr>
+                  </a:solidFill>
+                </a:ln>
+                <a:latin typeface="빙그레 메로나체" panose="020B0503000000000000" pitchFamily="50" charset="-127"/>
+                <a:ea typeface="빙그레 메로나체" panose="020B0503000000000000" pitchFamily="50" charset="-127"/>
+              </a:rPr>
+              <a:t>.</a:t>
+            </a:r>
+          </a:p>
+          <a:p>
+            <a:r>
+              <a:rPr lang="ko-KR" altLang="en-US">
+                <a:ln>
+                  <a:solidFill>
+                    <a:schemeClr val="tx1">
+                      <a:alpha val="30000"/>
+                    </a:schemeClr>
+                  </a:solidFill>
+                </a:ln>
+                <a:latin typeface="빙그레 메로나체" panose="020B0503000000000000" pitchFamily="50" charset="-127"/>
+                <a:ea typeface="빙그레 메로나체" panose="020B0503000000000000" pitchFamily="50" charset="-127"/>
+              </a:rPr>
+              <a:t>컴포넌트 렌더링</a:t>
+            </a:r>
+          </a:p>
+          <a:p>
+            <a:r>
+              <a:rPr lang="ko-KR" altLang="en-US">
+                <a:ln>
+                  <a:solidFill>
+                    <a:schemeClr val="tx1">
+                      <a:alpha val="30000"/>
+                    </a:schemeClr>
+                  </a:solidFill>
+                </a:ln>
+                <a:latin typeface="빙그레 메로나체" panose="020B0503000000000000" pitchFamily="50" charset="-127"/>
+                <a:ea typeface="빙그레 메로나체" panose="020B0503000000000000" pitchFamily="50" charset="-127"/>
+              </a:rPr>
+              <a:t>화면 </a:t>
+            </a:r>
+            <a:r>
+              <a:rPr lang="en-US" altLang="ko-KR">
+                <a:ln>
+                  <a:solidFill>
+                    <a:schemeClr val="tx1">
+                      <a:alpha val="30000"/>
+                    </a:schemeClr>
+                  </a:solidFill>
+                </a:ln>
+                <a:latin typeface="빙그레 메로나체" panose="020B0503000000000000" pitchFamily="50" charset="-127"/>
+                <a:ea typeface="빙그레 메로나체" panose="020B0503000000000000" pitchFamily="50" charset="-127"/>
+              </a:rPr>
+              <a:t>update</a:t>
+            </a:r>
+          </a:p>
+          <a:p>
+            <a:r>
+              <a:rPr lang="en-US" altLang="ko-KR">
+                <a:ln>
+                  <a:solidFill>
+                    <a:schemeClr val="tx1">
+                      <a:alpha val="30000"/>
+                    </a:schemeClr>
+                  </a:solidFill>
+                </a:ln>
+                <a:latin typeface="빙그레 메로나체" panose="020B0503000000000000" pitchFamily="50" charset="-127"/>
+                <a:ea typeface="빙그레 메로나체" panose="020B0503000000000000" pitchFamily="50" charset="-127"/>
+              </a:rPr>
+              <a:t>useEffect </a:t>
+            </a:r>
+            <a:r>
+              <a:rPr lang="ko-KR" altLang="en-US">
+                <a:ln>
+                  <a:solidFill>
+                    <a:schemeClr val="tx1">
+                      <a:alpha val="30000"/>
+                    </a:schemeClr>
+                  </a:solidFill>
+                </a:ln>
+                <a:latin typeface="빙그레 메로나체" panose="020B0503000000000000" pitchFamily="50" charset="-127"/>
+                <a:ea typeface="빙그레 메로나체" panose="020B0503000000000000" pitchFamily="50" charset="-127"/>
+              </a:rPr>
+              <a:t>실행</a:t>
+            </a:r>
+            <a:endParaRPr lang="en-US" altLang="ko-KR">
+              <a:ln>
+                <a:solidFill>
+                  <a:schemeClr val="tx1">
+                    <a:alpha val="30000"/>
+                  </a:schemeClr>
+                </a:solidFill>
+              </a:ln>
+              <a:latin typeface="빙그레 메로나체" panose="020B0503000000000000" pitchFamily="50" charset="-127"/>
+              <a:ea typeface="빙그레 메로나체" panose="020B0503000000000000" pitchFamily="50" charset="-127"/>
+            </a:endParaRPr>
+          </a:p>
+        </p:txBody>
+      </p:sp>
+      <p:sp>
+        <p:nvSpPr>
+          <p:cNvPr id="12" name="TextBox 11">
+            <a:extLst>
+              <a:ext uri="{FF2B5EF4-FFF2-40B4-BE49-F238E27FC236}">
+                <a16:creationId xmlns:a16="http://schemas.microsoft.com/office/drawing/2014/main" id="{599E1600-EB94-4C4F-B6C2-3F59E53106E4}"/>
+              </a:ext>
+            </a:extLst>
+          </p:cNvPr>
+          <p:cNvSpPr txBox="1"/>
+          <p:nvPr/>
+        </p:nvSpPr>
+        <p:spPr>
+          <a:xfrm>
+            <a:off x="2182794" y="4696655"/>
+            <a:ext cx="7064412" cy="1200329"/>
+          </a:xfrm>
+          <a:prstGeom prst="rect">
+            <a:avLst/>
+          </a:prstGeom>
+          <a:noFill/>
+          <a:ln>
+            <a:noFill/>
+          </a:ln>
+        </p:spPr>
+        <p:txBody>
+          <a:bodyPr wrap="square" rtlCol="0">
+            <a:spAutoFit/>
+          </a:bodyPr>
+          <a:lstStyle/>
+          <a:p>
+            <a:r>
+              <a:rPr lang="en-US" altLang="ko-KR">
+                <a:ln>
+                  <a:solidFill>
+                    <a:schemeClr val="tx1">
+                      <a:alpha val="30000"/>
+                    </a:schemeClr>
+                  </a:solidFill>
+                </a:ln>
+                <a:latin typeface="빙그레 메로나체" panose="020B0503000000000000" pitchFamily="50" charset="-127"/>
+                <a:ea typeface="빙그레 메로나체" panose="020B0503000000000000" pitchFamily="50" charset="-127"/>
+              </a:rPr>
+              <a:t>useLayoutEffect - </a:t>
+            </a:r>
+            <a:r>
+              <a:rPr lang="ko-KR" altLang="en-US">
+                <a:ln>
+                  <a:solidFill>
+                    <a:schemeClr val="tx1">
+                      <a:alpha val="30000"/>
+                    </a:schemeClr>
+                  </a:solidFill>
+                </a:ln>
+                <a:latin typeface="빙그레 메로나체" panose="020B0503000000000000" pitchFamily="50" charset="-127"/>
+                <a:ea typeface="빙그레 메로나체" panose="020B0503000000000000" pitchFamily="50" charset="-127"/>
+              </a:rPr>
+              <a:t>화면이 그려지기 전에 동기적으로 실행됨</a:t>
+            </a:r>
+            <a:r>
+              <a:rPr lang="en-US" altLang="ko-KR">
+                <a:ln>
+                  <a:solidFill>
+                    <a:schemeClr val="tx1">
+                      <a:alpha val="30000"/>
+                    </a:schemeClr>
+                  </a:solidFill>
+                </a:ln>
+                <a:latin typeface="빙그레 메로나체" panose="020B0503000000000000" pitchFamily="50" charset="-127"/>
+                <a:ea typeface="빙그레 메로나체" panose="020B0503000000000000" pitchFamily="50" charset="-127"/>
+              </a:rPr>
+              <a:t>.</a:t>
+            </a:r>
+          </a:p>
+          <a:p>
+            <a:r>
+              <a:rPr lang="ko-KR" altLang="en-US">
+                <a:ln>
+                  <a:solidFill>
+                    <a:schemeClr val="tx1">
+                      <a:alpha val="30000"/>
+                    </a:schemeClr>
+                  </a:solidFill>
+                </a:ln>
+                <a:latin typeface="빙그레 메로나체" panose="020B0503000000000000" pitchFamily="50" charset="-127"/>
+                <a:ea typeface="빙그레 메로나체" panose="020B0503000000000000" pitchFamily="50" charset="-127"/>
+              </a:rPr>
+              <a:t>컴포넌트 렌더링</a:t>
+            </a:r>
+          </a:p>
+          <a:p>
+            <a:r>
+              <a:rPr lang="en-US" altLang="ko-KR">
+                <a:ln>
+                  <a:solidFill>
+                    <a:schemeClr val="tx1">
+                      <a:alpha val="30000"/>
+                    </a:schemeClr>
+                  </a:solidFill>
+                </a:ln>
+                <a:latin typeface="빙그레 메로나체" panose="020B0503000000000000" pitchFamily="50" charset="-127"/>
+                <a:ea typeface="빙그레 메로나체" panose="020B0503000000000000" pitchFamily="50" charset="-127"/>
+              </a:rPr>
+              <a:t>useLayoutEffect </a:t>
+            </a:r>
+            <a:r>
+              <a:rPr lang="ko-KR" altLang="en-US">
+                <a:ln>
+                  <a:solidFill>
+                    <a:schemeClr val="tx1">
+                      <a:alpha val="30000"/>
+                    </a:schemeClr>
+                  </a:solidFill>
+                </a:ln>
+                <a:latin typeface="빙그레 메로나체" panose="020B0503000000000000" pitchFamily="50" charset="-127"/>
+                <a:ea typeface="빙그레 메로나체" panose="020B0503000000000000" pitchFamily="50" charset="-127"/>
+              </a:rPr>
+              <a:t>실행</a:t>
+            </a:r>
+          </a:p>
+          <a:p>
+            <a:r>
+              <a:rPr lang="ko-KR" altLang="en-US">
+                <a:ln>
+                  <a:solidFill>
+                    <a:schemeClr val="tx1">
+                      <a:alpha val="30000"/>
+                    </a:schemeClr>
+                  </a:solidFill>
+                </a:ln>
+                <a:latin typeface="빙그레 메로나체" panose="020B0503000000000000" pitchFamily="50" charset="-127"/>
+                <a:ea typeface="빙그레 메로나체" panose="020B0503000000000000" pitchFamily="50" charset="-127"/>
+              </a:rPr>
+              <a:t>화면 </a:t>
+            </a:r>
+            <a:r>
+              <a:rPr lang="en-US" altLang="ko-KR">
+                <a:ln>
+                  <a:solidFill>
+                    <a:schemeClr val="tx1">
+                      <a:alpha val="30000"/>
+                    </a:schemeClr>
+                  </a:solidFill>
+                </a:ln>
+                <a:latin typeface="빙그레 메로나체" panose="020B0503000000000000" pitchFamily="50" charset="-127"/>
+                <a:ea typeface="빙그레 메로나체" panose="020B0503000000000000" pitchFamily="50" charset="-127"/>
+              </a:rPr>
+              <a:t>update</a:t>
             </a:r>
           </a:p>
         </p:txBody>
